--- a/Papers_Articles_Presentations/Slide_Presentations/ORI MVP/QSOTodayHamExpoTemplate.pptx
+++ b/Papers_Articles_Presentations/Slide_Presentations/ORI MVP/QSOTodayHamExpoTemplate.pptx
@@ -1617,7 +1617,14 @@
           <a:p>
             <a:r>
               <a:rPr lang="en-US" dirty="0"/>
-              <a:t>Amateur Radio and Debris Mitigation </a:t>
+              <a:t>Adventures With </a:t>
+            </a:r>
+            <a:br>
+              <a:rPr lang="en-US" dirty="0"/>
+            </a:br>
+            <a:r>
+              <a:rPr lang="en-US" dirty="0"/>
+              <a:t>Repeater Builder</a:t>
             </a:r>
           </a:p>
         </p:txBody>
@@ -1641,30 +1648,13 @@
         <p:spPr/>
         <p:txBody>
           <a:bodyPr>
-            <a:normAutofit fontScale="92500" lnSpcReduction="10000"/>
+            <a:normAutofit/>
           </a:bodyPr>
           <a:lstStyle/>
           <a:p>
             <a:r>
               <a:rPr lang="en-US" dirty="0"/>
               <a:t>Michelle Thompson W5NYV</a:t>
-            </a:r>
-          </a:p>
-          <a:p>
-            <a:r>
-              <a:rPr lang="en-US" dirty="0"/>
-              <a:t>Anshul </a:t>
-            </a:r>
-            <a:r>
-              <a:rPr lang="en-US" dirty="0" err="1"/>
-              <a:t>Makkar</a:t>
-            </a:r>
-            <a:endParaRPr lang="en-US" dirty="0"/>
-          </a:p>
-          <a:p>
-            <a:r>
-              <a:rPr lang="en-US" dirty="0"/>
-              <a:t>Jan King W3GEY</a:t>
             </a:r>
           </a:p>
         </p:txBody>
